--- a/day3/day3.pptx
+++ b/day3/day3.pptx
@@ -10852,7 +10852,7 @@
   <dgm:whole/>
   <dgm:extLst>
     <a:ext uri="http://schemas.microsoft.com/office/drawing/2008/diagram">
-      <dsp:dataModelExt xmlns:dsp="http://schemas.microsoft.com/office/drawing/2008/diagram" relId="rId8" minVer="http://schemas.openxmlformats.org/drawingml/2006/diagram"/>
+      <dsp:dataModelExt xmlns:dsp="http://schemas.microsoft.com/office/drawing/2008/diagram" relId="rId6" minVer="http://schemas.openxmlformats.org/drawingml/2006/diagram"/>
     </a:ext>
   </dgm:extLst>
 </dgm:dataModel>
@@ -36655,7 +36655,7 @@
           <a:p>
             <a:fld id="{3B2477CB-E0AE-4281-99AD-4E48B34E3FDC}" type="datetimeFigureOut">
               <a:rPr lang="en-IN" smtClean="0"/>
-              <a:t>26-11-2025</a:t>
+              <a:t>20-12-2025</a:t>
             </a:fld>
             <a:endParaRPr lang="en-IN"/>
           </a:p>
@@ -37254,7 +37254,7 @@
           <a:p>
             <a:fld id="{1D8BD707-D9CF-40AE-B4C6-C98DA3205C09}" type="datetimeFigureOut">
               <a:rPr lang="en-US" smtClean="0"/>
-              <a:t>11/26/2025</a:t>
+              <a:t>12/20/2025</a:t>
             </a:fld>
             <a:endParaRPr lang="en-US"/>
           </a:p>
@@ -37578,7 +37578,7 @@
           <a:p>
             <a:fld id="{1D8BD707-D9CF-40AE-B4C6-C98DA3205C09}" type="datetimeFigureOut">
               <a:rPr lang="en-US" smtClean="0"/>
-              <a:t>11/26/2025</a:t>
+              <a:t>12/20/2025</a:t>
             </a:fld>
             <a:endParaRPr lang="en-US"/>
           </a:p>
@@ -37861,7 +37861,7 @@
           <a:p>
             <a:fld id="{1D8BD707-D9CF-40AE-B4C6-C98DA3205C09}" type="datetimeFigureOut">
               <a:rPr lang="en-US" smtClean="0"/>
-              <a:t>11/26/2025</a:t>
+              <a:t>12/20/2025</a:t>
             </a:fld>
             <a:endParaRPr lang="en-US"/>
           </a:p>
@@ -38109,7 +38109,7 @@
           <a:p>
             <a:fld id="{1D8BD707-D9CF-40AE-B4C6-C98DA3205C09}" type="datetimeFigureOut">
               <a:rPr lang="en-US" smtClean="0"/>
-              <a:t>11/26/2025</a:t>
+              <a:t>12/20/2025</a:t>
             </a:fld>
             <a:endParaRPr lang="en-US"/>
           </a:p>
@@ -38448,7 +38448,7 @@
           <a:p>
             <a:fld id="{1D8BD707-D9CF-40AE-B4C6-C98DA3205C09}" type="datetimeFigureOut">
               <a:rPr lang="en-US" smtClean="0"/>
-              <a:t>11/26/2025</a:t>
+              <a:t>12/20/2025</a:t>
             </a:fld>
             <a:endParaRPr lang="en-US"/>
           </a:p>
@@ -38795,7 +38795,7 @@
           <a:p>
             <a:fld id="{1D8BD707-D9CF-40AE-B4C6-C98DA3205C09}" type="datetimeFigureOut">
               <a:rPr lang="en-US" smtClean="0"/>
-              <a:t>11/26/2025</a:t>
+              <a:t>12/20/2025</a:t>
             </a:fld>
             <a:endParaRPr lang="en-US"/>
           </a:p>
@@ -39169,7 +39169,7 @@
           <a:p>
             <a:fld id="{1D8BD707-D9CF-40AE-B4C6-C98DA3205C09}" type="datetimeFigureOut">
               <a:rPr lang="en-US" smtClean="0"/>
-              <a:t>11/26/2025</a:t>
+              <a:t>12/20/2025</a:t>
             </a:fld>
             <a:endParaRPr lang="en-US"/>
           </a:p>
@@ -39639,7 +39639,7 @@
           <a:p>
             <a:fld id="{1D8BD707-D9CF-40AE-B4C6-C98DA3205C09}" type="datetimeFigureOut">
               <a:rPr lang="en-US" smtClean="0"/>
-              <a:t>11/26/2025</a:t>
+              <a:t>12/20/2025</a:t>
             </a:fld>
             <a:endParaRPr lang="en-US"/>
           </a:p>
@@ -39849,7 +39849,7 @@
           <a:p>
             <a:fld id="{1D8BD707-D9CF-40AE-B4C6-C98DA3205C09}" type="datetimeFigureOut">
               <a:rPr lang="en-US" smtClean="0"/>
-              <a:t>11/26/2025</a:t>
+              <a:t>12/20/2025</a:t>
             </a:fld>
             <a:endParaRPr lang="en-US"/>
           </a:p>
@@ -40060,7 +40060,7 @@
           <a:p>
             <a:fld id="{1D8BD707-D9CF-40AE-B4C6-C98DA3205C09}" type="datetimeFigureOut">
               <a:rPr lang="en-US" smtClean="0"/>
-              <a:t>11/26/2025</a:t>
+              <a:t>12/20/2025</a:t>
             </a:fld>
             <a:endParaRPr lang="en-US"/>
           </a:p>
@@ -40292,7 +40292,7 @@
           <a:p>
             <a:fld id="{1D8BD707-D9CF-40AE-B4C6-C98DA3205C09}" type="datetimeFigureOut">
               <a:rPr lang="en-US" smtClean="0"/>
-              <a:t>11/26/2025</a:t>
+              <a:t>12/20/2025</a:t>
             </a:fld>
             <a:endParaRPr lang="en-US"/>
           </a:p>
@@ -40422,7 +40422,7 @@
           <a:p>
             <a:fld id="{1D8BD707-D9CF-40AE-B4C6-C98DA3205C09}" type="datetimeFigureOut">
               <a:rPr lang="en-US" smtClean="0"/>
-              <a:t>11/26/2025</a:t>
+              <a:t>12/20/2025</a:t>
             </a:fld>
             <a:endParaRPr lang="en-US"/>
           </a:p>
@@ -40682,7 +40682,7 @@
           <a:p>
             <a:fld id="{1D8BD707-D9CF-40AE-B4C6-C98DA3205C09}" type="datetimeFigureOut">
               <a:rPr lang="en-US" smtClean="0"/>
-              <a:t>11/26/2025</a:t>
+              <a:t>12/20/2025</a:t>
             </a:fld>
             <a:endParaRPr lang="en-US"/>
           </a:p>
@@ -40985,7 +40985,7 @@
           <a:p>
             <a:fld id="{1D8BD707-D9CF-40AE-B4C6-C98DA3205C09}" type="datetimeFigureOut">
               <a:rPr lang="en-US" smtClean="0"/>
-              <a:t>11/26/2025</a:t>
+              <a:t>12/20/2025</a:t>
             </a:fld>
             <a:endParaRPr lang="en-US"/>
           </a:p>
@@ -41367,7 +41367,7 @@
           <a:p>
             <a:fld id="{1D8BD707-D9CF-40AE-B4C6-C98DA3205C09}" type="datetimeFigureOut">
               <a:rPr lang="en-US" smtClean="0"/>
-              <a:t>11/26/2025</a:t>
+              <a:t>12/20/2025</a:t>
             </a:fld>
             <a:endParaRPr lang="en-US"/>
           </a:p>
@@ -41521,7 +41521,7 @@
           <a:p>
             <a:fld id="{1D8BD707-D9CF-40AE-B4C6-C98DA3205C09}" type="datetimeFigureOut">
               <a:rPr lang="en-US" smtClean="0"/>
-              <a:t>11/26/2025</a:t>
+              <a:t>12/20/2025</a:t>
             </a:fld>
             <a:endParaRPr lang="en-US"/>
           </a:p>
@@ -41648,7 +41648,7 @@
             <a:fld id="{B61BEF0D-F0BB-DE4B-95CE-6DB70DBA9567}" type="datetimeFigureOut">
               <a:rPr lang="en-US" smtClean="0"/>
               <a:pPr/>
-              <a:t>11/26/2025</a:t>
+              <a:t>12/20/2025</a:t>
             </a:fld>
             <a:endParaRPr lang="en-US" dirty="0"/>
           </a:p>
@@ -41964,7 +41964,7 @@
           <a:p>
             <a:fld id="{1D8BD707-D9CF-40AE-B4C6-C98DA3205C09}" type="datetimeFigureOut">
               <a:rPr lang="en-US" smtClean="0"/>
-              <a:t>11/26/2025</a:t>
+              <a:t>12/20/2025</a:t>
             </a:fld>
             <a:endParaRPr lang="en-US"/>
           </a:p>
@@ -42346,7 +42346,7 @@
           <a:p>
             <a:fld id="{1D8BD707-D9CF-40AE-B4C6-C98DA3205C09}" type="datetimeFigureOut">
               <a:rPr lang="en-US" smtClean="0"/>
-              <a:t>11/26/2025</a:t>
+              <a:t>12/20/2025</a:t>
             </a:fld>
             <a:endParaRPr lang="en-US"/>
           </a:p>
@@ -42981,107 +42981,6 @@
       </p:sp>
       <p:sp>
         <p:nvSpPr>
-          <p:cNvPr id="4" name="TextBox 3"/>
-          <p:cNvSpPr txBox="1"/>
-          <p:nvPr/>
-        </p:nvSpPr>
-        <p:spPr>
-          <a:xfrm>
-            <a:off x="1231900" y="4097382"/>
-            <a:ext cx="4004622" cy="740459"/>
-          </a:xfrm>
-          <a:prstGeom prst="rect">
-            <a:avLst/>
-          </a:prstGeom>
-          <a:noFill/>
-        </p:spPr>
-        <p:txBody>
-          <a:bodyPr wrap="none">
-            <a:spAutoFit/>
-          </a:bodyPr>
-          <a:lstStyle/>
-          <a:p>
-            <a:pPr algn="l">
-              <a:defRPr sz="2400" b="0">
-                <a:solidFill>
-                  <a:srgbClr val="000000"/>
-                </a:solidFill>
-              </a:defRPr>
-            </a:pPr>
-            <a:r>
-              <a:rPr lang="en-IN" sz="2106" dirty="0">
-                <a:solidFill>
-                  <a:srgbClr val="323232"/>
-                </a:solidFill>
-                <a:latin typeface="Calibri"/>
-              </a:rPr>
-              <a:t>Starting Date : November 26,2025</a:t>
-            </a:r>
-          </a:p>
-          <a:p>
-            <a:pPr algn="l">
-              <a:defRPr sz="2400" b="0">
-                <a:solidFill>
-                  <a:srgbClr val="000000"/>
-                </a:solidFill>
-              </a:defRPr>
-            </a:pPr>
-            <a:r>
-              <a:rPr lang="en-IN" sz="2106" dirty="0">
-                <a:solidFill>
-                  <a:srgbClr val="323232"/>
-                </a:solidFill>
-                <a:latin typeface="Calibri"/>
-              </a:rPr>
-              <a:t>Time : 8:00 PM IST to 10:00 PM IST</a:t>
-            </a:r>
-            <a:endParaRPr sz="2106" dirty="0">
-              <a:solidFill>
-                <a:srgbClr val="323232"/>
-              </a:solidFill>
-              <a:latin typeface="Calibri"/>
-            </a:endParaRPr>
-          </a:p>
-        </p:txBody>
-      </p:sp>
-      <p:pic>
-        <p:nvPicPr>
-          <p:cNvPr id="6" name="Picture 5" descr="A logo with blue berries&#10;&#10;AI-generated content may be incorrect.">
-            <a:extLst>
-              <a:ext uri="{FF2B5EF4-FFF2-40B4-BE49-F238E27FC236}">
-                <a16:creationId xmlns:a16="http://schemas.microsoft.com/office/drawing/2014/main" id="{D6084676-6DE9-E68C-63CD-9FA4F3EBB2C6}"/>
-              </a:ext>
-            </a:extLst>
-          </p:cNvPr>
-          <p:cNvPicPr>
-            <a:picLocks noChangeAspect="1"/>
-          </p:cNvPicPr>
-          <p:nvPr/>
-        </p:nvPicPr>
-        <p:blipFill>
-          <a:blip r:embed="rId2">
-            <a:extLst>
-              <a:ext uri="{28A0092B-C50C-407E-A947-70E740481C1C}">
-                <a14:useLocalDpi xmlns:a14="http://schemas.microsoft.com/office/drawing/2010/main" val="0"/>
-              </a:ext>
-            </a:extLst>
-          </a:blip>
-          <a:stretch>
-            <a:fillRect/>
-          </a:stretch>
-        </p:blipFill>
-        <p:spPr>
-          <a:xfrm>
-            <a:off x="1494" y="6405561"/>
-            <a:ext cx="2047504" cy="1150939"/>
-          </a:xfrm>
-          <a:prstGeom prst="rect">
-            <a:avLst/>
-          </a:prstGeom>
-        </p:spPr>
-      </p:pic>
-      <p:sp>
-        <p:nvSpPr>
           <p:cNvPr id="9" name="TextBox 8">
             <a:extLst>
               <a:ext uri="{FF2B5EF4-FFF2-40B4-BE49-F238E27FC236}">
@@ -43192,15 +43091,10 @@
             <a:spLocks noGrp="1"/>
           </p:cNvSpPr>
           <p:nvPr>
-            <p:ph type="title" idx="4294967295"/>
+            <p:ph type="title"/>
           </p:nvPr>
         </p:nvSpPr>
-        <p:spPr>
-          <a:xfrm>
-            <a:off x="850900" y="806450"/>
-            <a:ext cx="7950200" cy="1436687"/>
-          </a:xfrm>
-        </p:spPr>
+        <p:spPr/>
         <p:txBody>
           <a:bodyPr/>
           <a:lstStyle/>
@@ -43218,6 +43112,31 @@
               <a:t>core components</a:t>
             </a:r>
             <a:endParaRPr dirty="0"/>
+          </a:p>
+        </p:txBody>
+      </p:sp>
+      <p:sp>
+        <p:nvSpPr>
+          <p:cNvPr id="3" name="Content Placeholder 2">
+            <a:extLst>
+              <a:ext uri="{FF2B5EF4-FFF2-40B4-BE49-F238E27FC236}">
+                <a16:creationId xmlns:a16="http://schemas.microsoft.com/office/drawing/2014/main" id="{3FDE8B4F-2CD2-A13E-6520-AD6861EE118C}"/>
+              </a:ext>
+            </a:extLst>
+          </p:cNvPr>
+          <p:cNvSpPr>
+            <a:spLocks noGrp="1"/>
+          </p:cNvSpPr>
+          <p:nvPr>
+            <p:ph idx="1"/>
+          </p:nvPr>
+        </p:nvSpPr>
+        <p:spPr/>
+        <p:txBody>
+          <a:bodyPr/>
+          <a:lstStyle/>
+          <a:p>
+            <a:endParaRPr lang="en-IN"/>
           </a:p>
         </p:txBody>
       </p:sp>
@@ -43719,15 +43638,10 @@
             <a:spLocks noGrp="1"/>
           </p:cNvSpPr>
           <p:nvPr>
-            <p:ph type="title" idx="4294967295"/>
+            <p:ph type="title"/>
           </p:nvPr>
         </p:nvSpPr>
-        <p:spPr>
-          <a:xfrm>
-            <a:off x="850900" y="806450"/>
-            <a:ext cx="7950200" cy="1436687"/>
-          </a:xfrm>
-        </p:spPr>
+        <p:spPr/>
         <p:txBody>
           <a:bodyPr/>
           <a:lstStyle/>
@@ -43825,15 +43739,10 @@
             <a:spLocks noGrp="1"/>
           </p:cNvSpPr>
           <p:nvPr>
-            <p:ph type="title" idx="4294967295"/>
+            <p:ph type="title"/>
           </p:nvPr>
         </p:nvSpPr>
-        <p:spPr>
-          <a:xfrm>
-            <a:off x="850900" y="806450"/>
-            <a:ext cx="7950200" cy="1436687"/>
-          </a:xfrm>
-        </p:spPr>
+        <p:spPr/>
         <p:txBody>
           <a:bodyPr/>
           <a:lstStyle/>
@@ -43927,15 +43836,10 @@
             <a:spLocks noGrp="1"/>
           </p:cNvSpPr>
           <p:nvPr>
-            <p:ph type="title" idx="4294967295"/>
+            <p:ph type="title"/>
           </p:nvPr>
         </p:nvSpPr>
-        <p:spPr>
-          <a:xfrm>
-            <a:off x="850900" y="806450"/>
-            <a:ext cx="7950200" cy="1436687"/>
-          </a:xfrm>
-        </p:spPr>
+        <p:spPr/>
         <p:txBody>
           <a:bodyPr/>
           <a:lstStyle/>
@@ -43945,6 +43849,31 @@
               <a:t>Agent memory</a:t>
             </a:r>
             <a:endParaRPr dirty="0"/>
+          </a:p>
+        </p:txBody>
+      </p:sp>
+      <p:sp>
+        <p:nvSpPr>
+          <p:cNvPr id="3" name="Content Placeholder 2">
+            <a:extLst>
+              <a:ext uri="{FF2B5EF4-FFF2-40B4-BE49-F238E27FC236}">
+                <a16:creationId xmlns:a16="http://schemas.microsoft.com/office/drawing/2014/main" id="{13AFC6A6-0F0B-70BF-1D5C-89196CB98445}"/>
+              </a:ext>
+            </a:extLst>
+          </p:cNvPr>
+          <p:cNvSpPr>
+            <a:spLocks noGrp="1"/>
+          </p:cNvSpPr>
+          <p:nvPr>
+            <p:ph idx="1"/>
+          </p:nvPr>
+        </p:nvSpPr>
+        <p:spPr/>
+        <p:txBody>
+          <a:bodyPr/>
+          <a:lstStyle/>
+          <a:p>
+            <a:endParaRPr lang="en-IN"/>
           </a:p>
         </p:txBody>
       </p:sp>
@@ -44086,6 +44015,56 @@
           </a:graphicData>
         </a:graphic>
       </p:graphicFrame>
+      <p:sp>
+        <p:nvSpPr>
+          <p:cNvPr id="3" name="Title 2">
+            <a:extLst>
+              <a:ext uri="{FF2B5EF4-FFF2-40B4-BE49-F238E27FC236}">
+                <a16:creationId xmlns:a16="http://schemas.microsoft.com/office/drawing/2014/main" id="{AB029DC9-6F13-B914-E4C8-AD98D2234BA2}"/>
+              </a:ext>
+            </a:extLst>
+          </p:cNvPr>
+          <p:cNvSpPr>
+            <a:spLocks noGrp="1"/>
+          </p:cNvSpPr>
+          <p:nvPr>
+            <p:ph type="title"/>
+          </p:nvPr>
+        </p:nvSpPr>
+        <p:spPr/>
+        <p:txBody>
+          <a:bodyPr/>
+          <a:lstStyle/>
+          <a:p>
+            <a:endParaRPr lang="en-IN"/>
+          </a:p>
+        </p:txBody>
+      </p:sp>
+      <p:sp>
+        <p:nvSpPr>
+          <p:cNvPr id="5" name="Content Placeholder 4">
+            <a:extLst>
+              <a:ext uri="{FF2B5EF4-FFF2-40B4-BE49-F238E27FC236}">
+                <a16:creationId xmlns:a16="http://schemas.microsoft.com/office/drawing/2014/main" id="{27B03C99-7097-6B6B-F61A-3B9F8EFDD830}"/>
+              </a:ext>
+            </a:extLst>
+          </p:cNvPr>
+          <p:cNvSpPr>
+            <a:spLocks noGrp="1"/>
+          </p:cNvSpPr>
+          <p:nvPr>
+            <p:ph idx="1"/>
+          </p:nvPr>
+        </p:nvSpPr>
+        <p:spPr/>
+        <p:txBody>
+          <a:bodyPr/>
+          <a:lstStyle/>
+          <a:p>
+            <a:endParaRPr lang="en-IN"/>
+          </a:p>
+        </p:txBody>
+      </p:sp>
     </p:spTree>
     <p:extLst>
       <p:ext uri="{BB962C8B-B14F-4D97-AF65-F5344CB8AC3E}">
@@ -44514,66 +44493,6 @@
           <a:chExt cx="0" cy="0"/>
         </a:xfrm>
       </p:grpSpPr>
-      <p:pic>
-        <p:nvPicPr>
-          <p:cNvPr id="3" name="Picture 2" descr="A close-up of a logo&#10;&#10;AI-generated content may be incorrect.">
-            <a:extLst>
-              <a:ext uri="{FF2B5EF4-FFF2-40B4-BE49-F238E27FC236}">
-                <a16:creationId xmlns:a16="http://schemas.microsoft.com/office/drawing/2014/main" id="{E535FA6C-A4E7-DB99-5690-3173B409ACE7}"/>
-              </a:ext>
-            </a:extLst>
-          </p:cNvPr>
-          <p:cNvPicPr>
-            <a:picLocks noChangeAspect="1"/>
-          </p:cNvPicPr>
-          <p:nvPr/>
-        </p:nvPicPr>
-        <p:blipFill>
-          <a:blip r:embed="rId2"/>
-          <a:stretch>
-            <a:fillRect/>
-          </a:stretch>
-        </p:blipFill>
-        <p:spPr>
-          <a:xfrm>
-            <a:off x="9075117" y="6673850"/>
-            <a:ext cx="1442724" cy="756251"/>
-          </a:xfrm>
-          <a:prstGeom prst="rect">
-            <a:avLst/>
-          </a:prstGeom>
-        </p:spPr>
-      </p:pic>
-      <p:pic>
-        <p:nvPicPr>
-          <p:cNvPr id="4" name="Picture 3" descr="A logo with blue berries&#10;&#10;AI-generated content may be incorrect.">
-            <a:extLst>
-              <a:ext uri="{FF2B5EF4-FFF2-40B4-BE49-F238E27FC236}">
-                <a16:creationId xmlns:a16="http://schemas.microsoft.com/office/drawing/2014/main" id="{493A878A-B423-4F97-67AA-3B0522E9F841}"/>
-              </a:ext>
-            </a:extLst>
-          </p:cNvPr>
-          <p:cNvPicPr>
-            <a:picLocks noChangeAspect="1"/>
-          </p:cNvPicPr>
-          <p:nvPr/>
-        </p:nvPicPr>
-        <p:blipFill>
-          <a:blip r:embed="rId3"/>
-          <a:stretch>
-            <a:fillRect/>
-          </a:stretch>
-        </p:blipFill>
-        <p:spPr>
-          <a:xfrm>
-            <a:off x="88900" y="6673850"/>
-            <a:ext cx="1589741" cy="893622"/>
-          </a:xfrm>
-          <a:prstGeom prst="rect">
-            <a:avLst/>
-          </a:prstGeom>
-        </p:spPr>
-      </p:pic>
       <p:graphicFrame>
         <p:nvGraphicFramePr>
           <p:cNvPr id="5" name="Diagram 4">
@@ -44598,7 +44517,7 @@
         </p:xfrm>
         <a:graphic>
           <a:graphicData uri="http://schemas.openxmlformats.org/drawingml/2006/diagram">
-            <dgm:relIds xmlns:dgm="http://schemas.openxmlformats.org/drawingml/2006/diagram" xmlns:r="http://schemas.openxmlformats.org/officeDocument/2006/relationships" r:dm="rId4" r:lo="rId5" r:qs="rId6" r:cs="rId7"/>
+            <dgm:relIds xmlns:dgm="http://schemas.openxmlformats.org/drawingml/2006/diagram" xmlns:r="http://schemas.openxmlformats.org/officeDocument/2006/relationships" r:dm="rId2" r:lo="rId3" r:qs="rId4" r:cs="rId5"/>
           </a:graphicData>
         </a:graphic>
       </p:graphicFrame>
@@ -44634,15 +44553,10 @@
             <a:spLocks noGrp="1"/>
           </p:cNvSpPr>
           <p:nvPr>
-            <p:ph type="title" idx="4294967295"/>
+            <p:ph type="title"/>
           </p:nvPr>
         </p:nvSpPr>
-        <p:spPr>
-          <a:xfrm>
-            <a:off x="1079500" y="806450"/>
-            <a:ext cx="7950200" cy="1436687"/>
-          </a:xfrm>
-        </p:spPr>
+        <p:spPr/>
         <p:txBody>
           <a:bodyPr/>
           <a:lstStyle/>
@@ -44667,16 +44581,16 @@
             <a:graphicFrameLocks noGrp="1"/>
           </p:cNvGraphicFramePr>
           <p:nvPr>
-            <p:ph idx="4294967295"/>
+            <p:ph idx="1"/>
             <p:extLst>
               <p:ext uri="{D42A27DB-BD31-4B8C-83A1-F6EECF244321}">
-                <p14:modId xmlns:p14="http://schemas.microsoft.com/office/powerpoint/2010/main" val="1150677964"/>
+                <p14:modId xmlns:p14="http://schemas.microsoft.com/office/powerpoint/2010/main" val="1862868393"/>
               </p:ext>
             </p:extLst>
           </p:nvPr>
         </p:nvGraphicFramePr>
         <p:xfrm>
-          <a:off x="1155700" y="2245546"/>
+          <a:off x="1376363" y="2743200"/>
           <a:ext cx="7950200" cy="3795713"/>
         </p:xfrm>
         <a:graphic>
@@ -44717,15 +44631,10 @@
             <a:spLocks noGrp="1"/>
           </p:cNvSpPr>
           <p:nvPr>
-            <p:ph type="title" idx="4294967295"/>
+            <p:ph type="title"/>
           </p:nvPr>
         </p:nvSpPr>
-        <p:spPr>
-          <a:xfrm>
-            <a:off x="1079500" y="882650"/>
-            <a:ext cx="7950200" cy="1436687"/>
-          </a:xfrm>
-        </p:spPr>
+        <p:spPr/>
         <p:txBody>
           <a:bodyPr/>
           <a:lstStyle/>
@@ -44750,16 +44659,16 @@
             <a:graphicFrameLocks noGrp="1"/>
           </p:cNvGraphicFramePr>
           <p:nvPr>
-            <p:ph idx="4294967295"/>
+            <p:ph idx="1"/>
             <p:extLst>
               <p:ext uri="{D42A27DB-BD31-4B8C-83A1-F6EECF244321}">
-                <p14:modId xmlns:p14="http://schemas.microsoft.com/office/powerpoint/2010/main" val="3100505649"/>
+                <p14:modId xmlns:p14="http://schemas.microsoft.com/office/powerpoint/2010/main" val="761542638"/>
               </p:ext>
             </p:extLst>
           </p:nvPr>
         </p:nvGraphicFramePr>
         <p:xfrm>
-          <a:off x="1086945" y="2482850"/>
+          <a:off x="1376363" y="2743200"/>
           <a:ext cx="7950200" cy="3795713"/>
         </p:xfrm>
         <a:graphic>
@@ -44800,15 +44709,10 @@
             <a:spLocks noGrp="1"/>
           </p:cNvSpPr>
           <p:nvPr>
-            <p:ph type="title" idx="4294967295"/>
+            <p:ph type="title"/>
           </p:nvPr>
         </p:nvSpPr>
-        <p:spPr>
-          <a:xfrm>
-            <a:off x="1155700" y="882650"/>
-            <a:ext cx="7950200" cy="1436687"/>
-          </a:xfrm>
-        </p:spPr>
+        <p:spPr/>
         <p:txBody>
           <a:bodyPr/>
           <a:lstStyle/>
@@ -44833,16 +44737,16 @@
             <a:graphicFrameLocks noGrp="1"/>
           </p:cNvGraphicFramePr>
           <p:nvPr>
-            <p:ph idx="4294967295"/>
+            <p:ph idx="1"/>
             <p:extLst>
               <p:ext uri="{D42A27DB-BD31-4B8C-83A1-F6EECF244321}">
-                <p14:modId xmlns:p14="http://schemas.microsoft.com/office/powerpoint/2010/main" val="3413095568"/>
+                <p14:modId xmlns:p14="http://schemas.microsoft.com/office/powerpoint/2010/main" val="760650021"/>
               </p:ext>
             </p:extLst>
           </p:nvPr>
         </p:nvGraphicFramePr>
         <p:xfrm>
-          <a:off x="1371600" y="2559050"/>
+          <a:off x="1376363" y="2743200"/>
           <a:ext cx="7950200" cy="3795713"/>
         </p:xfrm>
         <a:graphic>
@@ -44895,6 +44799,31 @@
               <a:rPr dirty="0"/>
               <a:t>Agent Loop Diagram</a:t>
             </a:r>
+          </a:p>
+        </p:txBody>
+      </p:sp>
+      <p:sp>
+        <p:nvSpPr>
+          <p:cNvPr id="10" name="Content Placeholder 9">
+            <a:extLst>
+              <a:ext uri="{FF2B5EF4-FFF2-40B4-BE49-F238E27FC236}">
+                <a16:creationId xmlns:a16="http://schemas.microsoft.com/office/drawing/2014/main" id="{83F657DD-B258-EC2E-A1F5-FEE45BEEA431}"/>
+              </a:ext>
+            </a:extLst>
+          </p:cNvPr>
+          <p:cNvSpPr>
+            <a:spLocks noGrp="1"/>
+          </p:cNvSpPr>
+          <p:nvPr>
+            <p:ph idx="1"/>
+          </p:nvPr>
+        </p:nvSpPr>
+        <p:spPr/>
+        <p:txBody>
+          <a:bodyPr/>
+          <a:lstStyle/>
+          <a:p>
+            <a:endParaRPr lang="en-IN"/>
           </a:p>
         </p:txBody>
       </p:sp>
@@ -45204,15 +45133,10 @@
             <a:spLocks noGrp="1"/>
           </p:cNvSpPr>
           <p:nvPr>
-            <p:ph type="title" idx="4294967295"/>
+            <p:ph type="title"/>
           </p:nvPr>
         </p:nvSpPr>
-        <p:spPr>
-          <a:xfrm>
-            <a:off x="1308100" y="806450"/>
-            <a:ext cx="7950200" cy="1436687"/>
-          </a:xfrm>
-        </p:spPr>
+        <p:spPr/>
         <p:txBody>
           <a:bodyPr/>
           <a:lstStyle/>
@@ -45237,16 +45161,16 @@
             <a:graphicFrameLocks noGrp="1"/>
           </p:cNvGraphicFramePr>
           <p:nvPr>
-            <p:ph idx="4294967295"/>
+            <p:ph idx="1"/>
             <p:extLst>
               <p:ext uri="{D42A27DB-BD31-4B8C-83A1-F6EECF244321}">
-                <p14:modId xmlns:p14="http://schemas.microsoft.com/office/powerpoint/2010/main" val="3656694313"/>
+                <p14:modId xmlns:p14="http://schemas.microsoft.com/office/powerpoint/2010/main" val="473421449"/>
               </p:ext>
             </p:extLst>
           </p:nvPr>
         </p:nvGraphicFramePr>
         <p:xfrm>
-          <a:off x="1371600" y="2245546"/>
+          <a:off x="1376363" y="2743200"/>
           <a:ext cx="7950200" cy="3795713"/>
         </p:xfrm>
         <a:graphic>
@@ -45287,15 +45211,10 @@
             <a:spLocks noGrp="1"/>
           </p:cNvSpPr>
           <p:nvPr>
-            <p:ph type="title" idx="4294967295"/>
+            <p:ph type="title"/>
           </p:nvPr>
         </p:nvSpPr>
-        <p:spPr>
-          <a:xfrm>
-            <a:off x="1536700" y="806450"/>
-            <a:ext cx="7950200" cy="1436687"/>
-          </a:xfrm>
-        </p:spPr>
+        <p:spPr/>
         <p:txBody>
           <a:bodyPr/>
           <a:lstStyle/>
@@ -45320,16 +45239,16 @@
             <a:graphicFrameLocks noGrp="1"/>
           </p:cNvGraphicFramePr>
           <p:nvPr>
-            <p:ph idx="4294967295"/>
+            <p:ph idx="1"/>
             <p:extLst>
               <p:ext uri="{D42A27DB-BD31-4B8C-83A1-F6EECF244321}">
-                <p14:modId xmlns:p14="http://schemas.microsoft.com/office/powerpoint/2010/main" val="1609506507"/>
+                <p14:modId xmlns:p14="http://schemas.microsoft.com/office/powerpoint/2010/main" val="2797751630"/>
               </p:ext>
             </p:extLst>
           </p:nvPr>
         </p:nvGraphicFramePr>
         <p:xfrm>
-          <a:off x="1079500" y="2101850"/>
+          <a:off x="1376363" y="2743200"/>
           <a:ext cx="7950200" cy="3795713"/>
         </p:xfrm>
         <a:graphic>
@@ -45370,15 +45289,10 @@
             <a:spLocks noGrp="1"/>
           </p:cNvSpPr>
           <p:nvPr>
-            <p:ph type="title" idx="4294967295"/>
+            <p:ph type="title"/>
           </p:nvPr>
         </p:nvSpPr>
-        <p:spPr>
-          <a:xfrm>
-            <a:off x="1371600" y="1012113"/>
-            <a:ext cx="7950200" cy="1436687"/>
-          </a:xfrm>
-        </p:spPr>
+        <p:spPr/>
         <p:txBody>
           <a:bodyPr/>
           <a:lstStyle/>
@@ -45407,16 +45321,16 @@
             <a:graphicFrameLocks noGrp="1"/>
           </p:cNvGraphicFramePr>
           <p:nvPr>
-            <p:ph idx="4294967295"/>
+            <p:ph idx="1"/>
             <p:extLst>
               <p:ext uri="{D42A27DB-BD31-4B8C-83A1-F6EECF244321}">
-                <p14:modId xmlns:p14="http://schemas.microsoft.com/office/powerpoint/2010/main" val="1538394404"/>
+                <p14:modId xmlns:p14="http://schemas.microsoft.com/office/powerpoint/2010/main" val="1581734776"/>
               </p:ext>
             </p:extLst>
           </p:nvPr>
         </p:nvGraphicFramePr>
         <p:xfrm>
-          <a:off x="1376417" y="2635250"/>
+          <a:off x="1376363" y="2743200"/>
           <a:ext cx="7950200" cy="3795713"/>
         </p:xfrm>
         <a:graphic>
